--- a/ppt/자료구조 튜터링 03.pptx
+++ b/ppt/자료구조 튜터링 03.pptx
@@ -1,13 +1,19 @@
 
 <file path=ppt/presentation.xml><?xml version="1.0" encoding="utf-8"?>
-<p:presentation xmlns:a="http://schemas.openxmlformats.org/drawingml/2006/main" xmlns:r="http://schemas.openxmlformats.org/officeDocument/2006/relationships" xmlns:p="http://schemas.openxmlformats.org/presentationml/2006/main" saveSubsetFonts="1">
+<p:presentation xmlns:r="http://schemas.openxmlformats.org/officeDocument/2006/relationships" xmlns:c="http://schemas.openxmlformats.org/drawingml/2006/chart" xmlns:a="http://schemas.openxmlformats.org/drawingml/2006/main" xmlns:dgm="http://schemas.openxmlformats.org/drawingml/2006/diagram" xmlns:dsp="http://schemas.microsoft.com/office/drawing/2008/diagram" xmlns:p="http://schemas.openxmlformats.org/presentationml/2006/main" saveSubsetFonts="1">
   <p:sldMasterIdLst>
-    <p:sldMasterId id="2147483708" r:id="rId1"/>
+    <p:sldMasterId id="2147483731" r:id="rId1"/>
   </p:sldMasterIdLst>
   <p:sldIdLst>
     <p:sldId id="256" r:id="rId2"/>
     <p:sldId id="257" r:id="rId3"/>
-    <p:sldId id="260" r:id="rId4"/>
+    <p:sldId id="258" r:id="rId4"/>
+    <p:sldId id="259" r:id="rId5"/>
+    <p:sldId id="260" r:id="rId6"/>
+    <p:sldId id="261" r:id="rId7"/>
+    <p:sldId id="262" r:id="rId8"/>
+    <p:sldId id="263" r:id="rId9"/>
+    <p:sldId id="264" r:id="rId10"/>
   </p:sldIdLst>
   <p:sldSz cx="12192000" cy="6858000"/>
   <p:notesSz cx="6858000" cy="9144000"/>
@@ -106,11 +112,6 @@
       </a:defRPr>
     </a:lvl9pPr>
   </p:defaultTextStyle>
-  <p:extLst>
-    <p:ext uri="{EFAFB233-063F-42B5-8137-9DF3F51BA10A}">
-      <p15:sldGuideLst xmlns:p15="http://schemas.microsoft.com/office/powerpoint/2012/main"/>
-    </p:ext>
-  </p:extLst>
 </p:presentation>
 </file>
 
@@ -3882,7 +3883,7 @@
 </file>
 
 <file path=ppt/slides/slide2.xml><?xml version="1.0" encoding="utf-8"?>
-<p:sld xmlns:a="http://schemas.openxmlformats.org/drawingml/2006/main" xmlns:r="http://schemas.openxmlformats.org/officeDocument/2006/relationships" xmlns:p="http://schemas.openxmlformats.org/presentationml/2006/main">
+<p:sld xmlns:r="http://schemas.openxmlformats.org/officeDocument/2006/relationships" xmlns:c="http://schemas.openxmlformats.org/drawingml/2006/chart" xmlns:a="http://schemas.openxmlformats.org/drawingml/2006/main" xmlns:dgm="http://schemas.openxmlformats.org/drawingml/2006/diagram" xmlns:dsp="http://schemas.microsoft.com/office/drawing/2008/diagram" xmlns:p="http://schemas.openxmlformats.org/presentationml/2006/main">
   <p:cSld>
     <p:spTree>
       <p:nvGrpSpPr>
@@ -3900,18 +3901,12 @@
       </p:grpSpPr>
       <p:sp>
         <p:nvSpPr>
-          <p:cNvPr id="2" name="제목 1">
-            <a:extLst>
-              <a:ext uri="{FF2B5EF4-FFF2-40B4-BE49-F238E27FC236}">
-                <a16:creationId xmlns:a16="http://schemas.microsoft.com/office/drawing/2014/main" id="{F3F40A46-EB3F-4A81-8952-92E19782D97A}"/>
-              </a:ext>
-            </a:extLst>
-          </p:cNvPr>
-          <p:cNvSpPr>
-            <a:spLocks noGrp="1"/>
-          </p:cNvSpPr>
-          <p:nvPr>
-            <p:ph type="title"/>
+          <p:cNvPr id="2" name="제목 1"/>
+          <p:cNvSpPr>
+            <a:spLocks noGrp="1"/>
+          </p:cNvSpPr>
+          <p:nvPr>
+            <p:ph type="title" idx="0"/>
           </p:nvPr>
         </p:nvSpPr>
         <p:spPr/>
@@ -3919,22 +3914,20 @@
           <a:bodyPr/>
           <a:lstStyle/>
           <a:p>
-            <a:r>
-              <a:rPr lang="ko-KR" altLang="en-US" dirty="0"/>
+            <a:pPr lvl="0">
+              <a:defRPr/>
+            </a:pPr>
+            <a:r>
+              <a:rPr lang="ko-KR" altLang="en-US"/>
               <a:t>목차</a:t>
             </a:r>
-          </a:p>
-        </p:txBody>
-      </p:sp>
-      <p:sp>
-        <p:nvSpPr>
-          <p:cNvPr id="5" name="내용 개체 틀 4">
-            <a:extLst>
-              <a:ext uri="{FF2B5EF4-FFF2-40B4-BE49-F238E27FC236}">
-                <a16:creationId xmlns:a16="http://schemas.microsoft.com/office/drawing/2014/main" id="{E61CD807-9254-4CE4-BBBB-F73A29528C00}"/>
-              </a:ext>
-            </a:extLst>
-          </p:cNvPr>
+            <a:endParaRPr lang="ko-KR" altLang="en-US"/>
+          </a:p>
+        </p:txBody>
+      </p:sp>
+      <p:sp>
+        <p:nvSpPr>
+          <p:cNvPr id="5" name="내용 개체 틀 4"/>
           <p:cNvSpPr>
             <a:spLocks noGrp="1"/>
           </p:cNvSpPr>
@@ -3944,108 +3937,121 @@
         </p:nvSpPr>
         <p:spPr>
           <a:xfrm>
-            <a:off x="1097280" y="2258110"/>
-            <a:ext cx="10058400" cy="4023360"/>
+            <a:off x="1097280" y="2093218"/>
+            <a:ext cx="10058400" cy="3789139"/>
           </a:xfrm>
         </p:spPr>
         <p:txBody>
           <a:bodyPr>
-            <a:normAutofit/>
+            <a:normAutofit lnSpcReduction="10000"/>
           </a:bodyPr>
           <a:lstStyle/>
           <a:p>
-            <a:r>
-              <a:rPr lang="en-US" altLang="ko-KR" sz="2400" dirty="0"/>
+            <a:pPr lvl="0">
+              <a:defRPr/>
+            </a:pPr>
+            <a:r>
+              <a:rPr lang="en-US" altLang="ko-KR" sz="2400"/>
+              <a:t>0. </a:t>
+            </a:r>
+            <a:r>
+              <a:rPr lang="ko-KR" altLang="en-US" sz="2400"/>
+              <a:t>단순 연결리스트 복습</a:t>
+            </a:r>
+            <a:endParaRPr lang="ko-KR" altLang="en-US" sz="2400"/>
+          </a:p>
+          <a:p>
+            <a:pPr lvl="0">
+              <a:defRPr/>
+            </a:pPr>
+            <a:endParaRPr lang="en-US" altLang="ko-KR" sz="2400"/>
+          </a:p>
+          <a:p>
+            <a:pPr lvl="0">
+              <a:defRPr/>
+            </a:pPr>
+            <a:r>
+              <a:rPr lang="en-US" altLang="ko-KR" sz="2400"/>
               <a:t>1. STACK</a:t>
             </a:r>
             <a:r>
-              <a:rPr lang="ko-KR" altLang="en-US" sz="2400" dirty="0"/>
+              <a:rPr lang="ko-KR" altLang="en-US" sz="2400"/>
               <a:t> 개념 이해</a:t>
             </a:r>
-            <a:endParaRPr lang="en-US" altLang="ko-KR" sz="2400" dirty="0"/>
-          </a:p>
-          <a:p>
-            <a:endParaRPr lang="en-US" altLang="ko-KR" sz="2400" dirty="0"/>
-          </a:p>
-          <a:p>
-            <a:r>
-              <a:rPr lang="en-US" altLang="ko-KR" sz="2400" dirty="0"/>
+            <a:endParaRPr lang="ko-KR" altLang="en-US" sz="2400"/>
+          </a:p>
+          <a:p>
+            <a:pPr lvl="0">
+              <a:defRPr/>
+            </a:pPr>
+            <a:endParaRPr lang="en-US" altLang="ko-KR" sz="2400"/>
+          </a:p>
+          <a:p>
+            <a:pPr lvl="0">
+              <a:defRPr/>
+            </a:pPr>
+            <a:r>
+              <a:rPr lang="en-US" altLang="ko-KR" sz="2400"/>
               <a:t>2. </a:t>
             </a:r>
             <a:r>
-              <a:rPr lang="ko-KR" altLang="en-US" sz="2400" dirty="0"/>
+              <a:rPr lang="ko-KR" altLang="en-US" sz="2400"/>
               <a:t>배열</a:t>
             </a:r>
             <a:r>
-              <a:rPr lang="en-US" altLang="ko-KR" sz="2400" dirty="0"/>
+              <a:rPr lang="en-US" altLang="ko-KR" sz="2400"/>
               <a:t>, </a:t>
             </a:r>
             <a:r>
-              <a:rPr lang="ko-KR" altLang="en-US" sz="2400" dirty="0"/>
+              <a:rPr lang="ko-KR" altLang="en-US" sz="2400"/>
               <a:t>리스트 형태의 </a:t>
             </a:r>
             <a:r>
-              <a:rPr lang="en-US" altLang="ko-KR" sz="2400" dirty="0"/>
+              <a:rPr lang="en-US" altLang="ko-KR" sz="2400"/>
               <a:t>stack</a:t>
             </a:r>
-          </a:p>
-          <a:p>
-            <a:endParaRPr lang="en-US" altLang="ko-KR" sz="2400" dirty="0"/>
-          </a:p>
-          <a:p>
-            <a:r>
-              <a:rPr lang="en-US" altLang="ko-KR" sz="2400" dirty="0"/>
+            <a:endParaRPr lang="en-US" altLang="ko-KR" sz="2400"/>
+          </a:p>
+          <a:p>
+            <a:pPr lvl="0">
+              <a:defRPr/>
+            </a:pPr>
+            <a:endParaRPr lang="en-US" altLang="ko-KR" sz="2400"/>
+          </a:p>
+          <a:p>
+            <a:pPr lvl="0">
+              <a:defRPr/>
+            </a:pPr>
+            <a:r>
+              <a:rPr lang="en-US" altLang="ko-KR" sz="2400"/>
               <a:t>3. QUEUE </a:t>
             </a:r>
             <a:r>
-              <a:rPr lang="ko-KR" altLang="en-US" sz="2400" dirty="0"/>
+              <a:rPr lang="ko-KR" altLang="en-US" sz="2400"/>
               <a:t>개념 이해</a:t>
             </a:r>
-            <a:endParaRPr lang="en-US" altLang="ko-KR" sz="2400" dirty="0"/>
-          </a:p>
-          <a:p>
-            <a:endParaRPr lang="en-US" altLang="ko-KR" sz="2400" dirty="0"/>
-          </a:p>
-          <a:p>
-            <a:r>
-              <a:rPr lang="en-US" altLang="ko-KR" sz="2400" dirty="0"/>
-              <a:t>3. </a:t>
-            </a:r>
-            <a:r>
-              <a:rPr lang="ko-KR" altLang="en-US" sz="2400" dirty="0"/>
-              <a:t>배열</a:t>
-            </a:r>
-            <a:r>
-              <a:rPr lang="en-US" altLang="ko-KR" sz="2400" dirty="0"/>
-              <a:t>, </a:t>
-            </a:r>
-            <a:r>
-              <a:rPr lang="ko-KR" altLang="en-US" sz="2400" dirty="0"/>
-              <a:t>리스트 형태의 </a:t>
-            </a:r>
-            <a:r>
-              <a:rPr lang="en-US" altLang="ko-KR" sz="2400" dirty="0"/>
-              <a:t>QUEUE</a:t>
-            </a:r>
-            <a:endParaRPr lang="ko-KR" altLang="en-US" sz="2400" dirty="0"/>
+            <a:endParaRPr lang="ko-KR" altLang="en-US" sz="2400"/>
           </a:p>
         </p:txBody>
       </p:sp>
     </p:spTree>
-    <p:extLst>
-      <p:ext uri="{BB962C8B-B14F-4D97-AF65-F5344CB8AC3E}">
-        <p14:creationId xmlns:p14="http://schemas.microsoft.com/office/powerpoint/2010/main" val="3988504817"/>
-      </p:ext>
-    </p:extLst>
   </p:cSld>
   <p:clrMapOvr>
     <a:masterClrMapping/>
   </p:clrMapOvr>
+  <mc:AlternateContent xmlns:mc="http://schemas.openxmlformats.org/markup-compatibility/2006">
+    <mc:Choice xmlns:p14="http://schemas.microsoft.com/office/powerpoint/2010/main" Requires="p14">
+      <p:transition xmlns:mc="http://schemas.openxmlformats.org/markup-compatibility/2006" xmlns:p14="http://schemas.microsoft.com/office/powerpoint/2010/main" mc:Ignorable="p14" p14:dur="500"/>
+    </mc:Choice>
+    <mc:Fallback>
+      <p:transition/>
+    </mc:Fallback>
+  </mc:AlternateContent>
 </p:sld>
 </file>
 
 <file path=ppt/slides/slide3.xml><?xml version="1.0" encoding="utf-8"?>
-<p:sld xmlns:a="http://schemas.openxmlformats.org/drawingml/2006/main" xmlns:r="http://schemas.openxmlformats.org/officeDocument/2006/relationships" xmlns:p="http://schemas.openxmlformats.org/presentationml/2006/main">
+<p:sld xmlns:r="http://schemas.openxmlformats.org/officeDocument/2006/relationships" xmlns:c="http://schemas.openxmlformats.org/drawingml/2006/chart" xmlns:a="http://schemas.openxmlformats.org/drawingml/2006/main" xmlns:dgm="http://schemas.openxmlformats.org/drawingml/2006/diagram" xmlns:dsp="http://schemas.microsoft.com/office/drawing/2008/diagram" xmlns:p="http://schemas.openxmlformats.org/presentationml/2006/main">
   <p:cSld>
     <p:spTree>
       <p:nvGrpSpPr>
@@ -4063,18 +4069,12 @@
       </p:grpSpPr>
       <p:sp>
         <p:nvSpPr>
-          <p:cNvPr id="2" name="제목 1">
-            <a:extLst>
-              <a:ext uri="{FF2B5EF4-FFF2-40B4-BE49-F238E27FC236}">
-                <a16:creationId xmlns:a16="http://schemas.microsoft.com/office/drawing/2014/main" id="{F3F40A46-EB3F-4A81-8952-92E19782D97A}"/>
-              </a:ext>
-            </a:extLst>
-          </p:cNvPr>
-          <p:cNvSpPr>
-            <a:spLocks noGrp="1"/>
-          </p:cNvSpPr>
-          <p:nvPr>
-            <p:ph type="title"/>
+          <p:cNvPr id="2" name="제목 1"/>
+          <p:cNvSpPr>
+            <a:spLocks noGrp="1"/>
+          </p:cNvSpPr>
+          <p:nvPr>
+            <p:ph type="title" idx="0"/>
           </p:nvPr>
         </p:nvSpPr>
         <p:spPr/>
@@ -4082,30 +4082,27 @@
           <a:bodyPr/>
           <a:lstStyle/>
           <a:p>
-            <a:r>
-              <a:rPr lang="en-US" altLang="ko-KR" dirty="0"/>
-              <a:t>STACK</a:t>
-            </a:r>
-            <a:endParaRPr lang="ko-KR" altLang="en-US" dirty="0"/>
-          </a:p>
-        </p:txBody>
-      </p:sp>
-      <p:sp>
-        <p:nvSpPr>
-          <p:cNvPr id="4" name="TextBox 3">
-            <a:extLst>
-              <a:ext uri="{FF2B5EF4-FFF2-40B4-BE49-F238E27FC236}">
-                <a16:creationId xmlns:a16="http://schemas.microsoft.com/office/drawing/2014/main" id="{CDAA02DE-9C06-4DF7-93D1-987EE0CF806C}"/>
-              </a:ext>
-            </a:extLst>
-          </p:cNvPr>
+            <a:pPr lvl="0">
+              <a:defRPr/>
+            </a:pPr>
+            <a:r>
+              <a:rPr lang="ko-KR" altLang="en-US"/>
+              <a:t>단순 연결리스트 복습</a:t>
+            </a:r>
+            <a:endParaRPr lang="ko-KR" altLang="en-US"/>
+          </a:p>
+        </p:txBody>
+      </p:sp>
+      <p:sp>
+        <p:nvSpPr>
+          <p:cNvPr id="4" name="TextBox 3"/>
           <p:cNvSpPr txBox="1"/>
           <p:nvPr/>
         </p:nvSpPr>
         <p:spPr>
           <a:xfrm>
-            <a:off x="6366193" y="2057457"/>
-            <a:ext cx="4221597" cy="646331"/>
+            <a:off x="1088406" y="2057457"/>
+            <a:ext cx="6423278" cy="359988"/>
           </a:xfrm>
           <a:prstGeom prst="rect">
             <a:avLst/>
@@ -4113,47 +4110,199 @@
           <a:noFill/>
         </p:spPr>
         <p:txBody>
-          <a:bodyPr wrap="square" rtlCol="0">
+          <a:bodyPr wrap="square">
             <a:spAutoFit/>
           </a:bodyPr>
           <a:lstStyle/>
           <a:p>
+            <a:pPr marL="0" indent="0">
+              <a:buFontTx/>
+              <a:buNone/>
+              <a:defRPr/>
+            </a:pPr>
+            <a:r>
+              <a:rPr lang="en-US" altLang="ko-KR"/>
+              <a:t>-</a:t>
+            </a:r>
+            <a:r>
+              <a:rPr lang="ko-KR" altLang="en-US"/>
+              <a:t> 교수님 수업시간에 실습했던 </a:t>
+            </a:r>
+            <a:r>
+              <a:rPr lang="en-US" altLang="ko-KR"/>
+              <a:t>clist.c</a:t>
+            </a:r>
+            <a:r>
+              <a:rPr lang="ko-KR" altLang="en-US"/>
+              <a:t> 코드 분석 </a:t>
+            </a:r>
+            <a:r>
+              <a:rPr lang="en-US" altLang="ko-KR"/>
+              <a:t>(ListExample.c)</a:t>
+            </a:r>
+            <a:endParaRPr lang="en-US" altLang="ko-KR"/>
+          </a:p>
+        </p:txBody>
+      </p:sp>
+    </p:spTree>
+  </p:cSld>
+  <p:clrMapOvr>
+    <a:masterClrMapping/>
+  </p:clrMapOvr>
+  <mc:AlternateContent xmlns:mc="http://schemas.openxmlformats.org/markup-compatibility/2006">
+    <mc:Choice xmlns:p14="http://schemas.microsoft.com/office/powerpoint/2010/main" Requires="p14">
+      <p:transition xmlns:mc="http://schemas.openxmlformats.org/markup-compatibility/2006" xmlns:p14="http://schemas.microsoft.com/office/powerpoint/2010/main" mc:Ignorable="p14" p14:dur="500"/>
+    </mc:Choice>
+    <mc:Fallback>
+      <p:transition/>
+    </mc:Fallback>
+  </mc:AlternateContent>
+</p:sld>
+</file>
+
+<file path=ppt/slides/slide4.xml><?xml version="1.0" encoding="utf-8"?>
+<p:sld xmlns:r="http://schemas.openxmlformats.org/officeDocument/2006/relationships" xmlns:c="http://schemas.openxmlformats.org/drawingml/2006/chart" xmlns:a="http://schemas.openxmlformats.org/drawingml/2006/main" xmlns:dgm="http://schemas.openxmlformats.org/drawingml/2006/diagram" xmlns:dsp="http://schemas.microsoft.com/office/drawing/2008/diagram" xmlns:p="http://schemas.openxmlformats.org/presentationml/2006/main">
+  <p:cSld>
+    <p:spTree>
+      <p:nvGrpSpPr>
+        <p:cNvPr id="1" name=""/>
+        <p:cNvGrpSpPr/>
+        <p:nvPr/>
+      </p:nvGrpSpPr>
+      <p:grpSpPr>
+        <a:xfrm>
+          <a:off x="0" y="0"/>
+          <a:ext cx="0" cy="0"/>
+          <a:chOff x="0" y="0"/>
+          <a:chExt cx="0" cy="0"/>
+        </a:xfrm>
+      </p:grpSpPr>
+      <p:sp>
+        <p:nvSpPr>
+          <p:cNvPr id="2" name="제목 1"/>
+          <p:cNvSpPr>
+            <a:spLocks noGrp="1"/>
+          </p:cNvSpPr>
+          <p:nvPr>
+            <p:ph type="title" idx="0"/>
+          </p:nvPr>
+        </p:nvSpPr>
+        <p:spPr/>
+        <p:txBody>
+          <a:bodyPr/>
+          <a:lstStyle/>
+          <a:p>
+            <a:pPr lvl="0">
+              <a:defRPr/>
+            </a:pPr>
+            <a:r>
+              <a:rPr lang="en-US" altLang="ko-KR"/>
+              <a:t>STACK </a:t>
+            </a:r>
+            <a:r>
+              <a:rPr lang="ko-KR" altLang="en-US"/>
+              <a:t>개념 이해</a:t>
+            </a:r>
+            <a:endParaRPr lang="ko-KR" altLang="en-US"/>
+          </a:p>
+        </p:txBody>
+      </p:sp>
+      <p:sp>
+        <p:nvSpPr>
+          <p:cNvPr id="4" name="TextBox 3"/>
+          <p:cNvSpPr txBox="1"/>
+          <p:nvPr/>
+        </p:nvSpPr>
+        <p:spPr>
+          <a:xfrm>
+            <a:off x="4820332" y="2057457"/>
+            <a:ext cx="6423278" cy="1731588"/>
+          </a:xfrm>
+          <a:prstGeom prst="rect">
+            <a:avLst/>
+          </a:prstGeom>
+          <a:noFill/>
+        </p:spPr>
+        <p:txBody>
+          <a:bodyPr wrap="square">
+            <a:spAutoFit/>
+          </a:bodyPr>
+          <a:lstStyle/>
+          <a:p>
             <a:pPr marL="285750" indent="-285750">
               <a:buFontTx/>
               <a:buChar char="-"/>
-            </a:pPr>
-            <a:r>
-              <a:rPr lang="ko-KR" altLang="en-US" dirty="0"/>
-              <a:t>다음 코드의 결과를 예측해보고</a:t>
-            </a:r>
-            <a:r>
-              <a:rPr lang="en-US" altLang="ko-KR" dirty="0"/>
-              <a:t>, </a:t>
-            </a:r>
-            <a:r>
-              <a:rPr lang="ko-KR" altLang="en-US" dirty="0"/>
-              <a:t>직접 실행해보자</a:t>
-            </a:r>
+              <a:defRPr/>
+            </a:pPr>
+            <a:r>
+              <a:rPr lang="ko-KR" altLang="ko-KR"/>
+              <a:t>후입선출(나중에 들어온 데이터가 가장 먼저 나가는)</a:t>
+            </a:r>
+            <a:r>
+              <a:rPr lang="ko-KR" altLang="en-US"/>
+              <a:t> 구조</a:t>
+            </a:r>
+            <a:endParaRPr lang="ko-KR" altLang="en-US"/>
+          </a:p>
+          <a:p>
+            <a:pPr marL="285750" indent="-285750">
+              <a:buFontTx/>
+              <a:buChar char="-"/>
+              <a:defRPr/>
+            </a:pPr>
+            <a:endParaRPr lang="ko-KR" altLang="en-US"/>
+          </a:p>
+          <a:p>
+            <a:pPr marL="285750" indent="-285750">
+              <a:buFontTx/>
+              <a:buChar char="-"/>
+              <a:defRPr/>
+            </a:pPr>
+            <a:r>
+              <a:rPr lang="ko-KR" altLang="en-US"/>
+              <a:t>pop() : 스택에서 가장 위에 있는 항목을 제거한다.</a:t>
+            </a:r>
+            <a:endParaRPr lang="ko-KR" altLang="en-US"/>
+          </a:p>
+          <a:p>
+            <a:pPr marL="0" indent="0">
+              <a:buFontTx/>
+              <a:buNone/>
+              <a:defRPr/>
+            </a:pPr>
+            <a:endParaRPr lang="ko-KR" altLang="en-US"/>
+          </a:p>
+          <a:p>
+            <a:pPr marL="285750" indent="-285750">
+              <a:buFontTx/>
+              <a:buChar char="-"/>
+              <a:defRPr/>
+            </a:pPr>
+            <a:r>
+              <a:rPr lang="ko-KR" altLang="en-US"/>
+              <a:t>push(item) : item 하나를 스택의 가장 윗 부분에 추가한다.</a:t>
+            </a:r>
+            <a:endParaRPr lang="ko-KR" altLang="en-US"/>
+          </a:p>
+          <a:p>
+            <a:pPr marL="0" indent="0">
+              <a:buFontTx/>
+              <a:buNone/>
+              <a:defRPr/>
+            </a:pPr>
+            <a:endParaRPr lang="en-US" altLang="ko-KR"/>
           </a:p>
         </p:txBody>
       </p:sp>
       <p:pic>
         <p:nvPicPr>
-          <p:cNvPr id="6" name="내용 개체 틀 5">
-            <a:extLst>
-              <a:ext uri="{FF2B5EF4-FFF2-40B4-BE49-F238E27FC236}">
-                <a16:creationId xmlns:a16="http://schemas.microsoft.com/office/drawing/2014/main" id="{C118CF6C-69E6-4CF3-A0C6-B95F286BE8C1}"/>
-              </a:ext>
-            </a:extLst>
-          </p:cNvPr>
+          <p:cNvPr id="15" name=""/>
           <p:cNvPicPr>
-            <a:picLocks noGrp="1" noChangeAspect="1"/>
+            <a:picLocks noChangeAspect="1"/>
           </p:cNvPicPr>
-          <p:nvPr>
-            <p:ph idx="1"/>
-          </p:nvPr>
+          <p:nvPr/>
         </p:nvPicPr>
-        <p:blipFill>
+        <p:blipFill rotWithShape="1">
           <a:blip r:embed="rId2"/>
           <a:stretch>
             <a:fillRect/>
@@ -4161,35 +4310,258 @@
         </p:blipFill>
         <p:spPr>
           <a:xfrm>
-            <a:off x="1755692" y="1921980"/>
-            <a:ext cx="4067593" cy="1563618"/>
-          </a:xfrm>
+            <a:off x="1325380" y="1914857"/>
+            <a:ext cx="2609007" cy="4191321"/>
+          </a:xfrm>
+          <a:prstGeom prst="rect">
+            <a:avLst/>
+          </a:prstGeom>
         </p:spPr>
       </p:pic>
+    </p:spTree>
+  </p:cSld>
+  <p:clrMapOvr>
+    <a:masterClrMapping/>
+  </p:clrMapOvr>
+  <mc:AlternateContent xmlns:mc="http://schemas.openxmlformats.org/markup-compatibility/2006">
+    <mc:Choice xmlns:p14="http://schemas.microsoft.com/office/powerpoint/2010/main" Requires="p14">
+      <p:transition xmlns:mc="http://schemas.openxmlformats.org/markup-compatibility/2006" xmlns:p14="http://schemas.microsoft.com/office/powerpoint/2010/main" mc:Ignorable="p14" p14:dur="500"/>
+    </mc:Choice>
+    <mc:Fallback>
+      <p:transition/>
+    </mc:Fallback>
+  </mc:AlternateContent>
+</p:sld>
+</file>
+
+<file path=ppt/slides/slide5.xml><?xml version="1.0" encoding="utf-8"?>
+<p:sld xmlns:r="http://schemas.openxmlformats.org/officeDocument/2006/relationships" xmlns:c="http://schemas.openxmlformats.org/drawingml/2006/chart" xmlns:a="http://schemas.openxmlformats.org/drawingml/2006/main" xmlns:dgm="http://schemas.openxmlformats.org/drawingml/2006/diagram" xmlns:dsp="http://schemas.microsoft.com/office/drawing/2008/diagram" xmlns:p="http://schemas.openxmlformats.org/presentationml/2006/main">
+  <p:cSld>
+    <p:spTree>
+      <p:nvGrpSpPr>
+        <p:cNvPr id="1" name=""/>
+        <p:cNvGrpSpPr/>
+        <p:nvPr/>
+      </p:nvGrpSpPr>
+      <p:grpSpPr>
+        <a:xfrm>
+          <a:off x="0" y="0"/>
+          <a:ext cx="0" cy="0"/>
+          <a:chOff x="0" y="0"/>
+          <a:chExt cx="0" cy="0"/>
+        </a:xfrm>
+      </p:grpSpPr>
+      <p:sp>
+        <p:nvSpPr>
+          <p:cNvPr id="2" name="제목 1"/>
+          <p:cNvSpPr>
+            <a:spLocks noGrp="1"/>
+          </p:cNvSpPr>
+          <p:nvPr>
+            <p:ph type="title" idx="0"/>
+          </p:nvPr>
+        </p:nvSpPr>
+        <p:spPr/>
+        <p:txBody>
+          <a:bodyPr/>
+          <a:lstStyle/>
+          <a:p>
+            <a:pPr lvl="0">
+              <a:defRPr/>
+            </a:pPr>
+            <a:r>
+              <a:rPr lang="ko-KR" altLang="en-US"/>
+              <a:t>배열을 이용한 </a:t>
+            </a:r>
+            <a:r>
+              <a:rPr lang="en-US" altLang="ko-KR"/>
+              <a:t>STACK</a:t>
+            </a:r>
+            <a:endParaRPr lang="en-US" altLang="ko-KR"/>
+          </a:p>
+        </p:txBody>
+      </p:sp>
+      <p:sp>
+        <p:nvSpPr>
+          <p:cNvPr id="4" name="TextBox 3"/>
+          <p:cNvSpPr txBox="1"/>
+          <p:nvPr/>
+        </p:nvSpPr>
+        <p:spPr>
+          <a:xfrm>
+            <a:off x="4820332" y="2057457"/>
+            <a:ext cx="6423278" cy="2550738"/>
+          </a:xfrm>
+          <a:prstGeom prst="rect">
+            <a:avLst/>
+          </a:prstGeom>
+          <a:noFill/>
+        </p:spPr>
+        <p:txBody>
+          <a:bodyPr wrap="square">
+            <a:spAutoFit/>
+          </a:bodyPr>
+          <a:lstStyle/>
+          <a:p>
+            <a:pPr marL="285750" indent="-285750">
+              <a:buFontTx/>
+              <a:buChar char="-"/>
+              <a:defRPr/>
+            </a:pPr>
+            <a:r>
+              <a:rPr lang="en-US" altLang="ko-KR"/>
+              <a:t>stack</a:t>
+            </a:r>
+            <a:r>
+              <a:rPr lang="ko-KR" altLang="en-US"/>
+              <a:t>의 최대 용량이 정해져 있음</a:t>
+            </a:r>
+            <a:endParaRPr lang="ko-KR" altLang="en-US"/>
+          </a:p>
+          <a:p>
+            <a:pPr marL="285750" indent="-285750">
+              <a:buFontTx/>
+              <a:buChar char="-"/>
+              <a:defRPr/>
+            </a:pPr>
+            <a:endParaRPr lang="ko-KR" altLang="en-US"/>
+          </a:p>
+          <a:p>
+            <a:pPr marL="285750" indent="-285750">
+              <a:buFontTx/>
+              <a:buChar char="-"/>
+              <a:defRPr/>
+            </a:pPr>
+            <a:r>
+              <a:rPr lang="en-US" altLang="ko-KR"/>
+              <a:t>top</a:t>
+            </a:r>
+            <a:r>
+              <a:rPr lang="ko-KR" altLang="en-US"/>
+              <a:t>이 최상단의 데이터를 가리킨다</a:t>
+            </a:r>
+            <a:r>
+              <a:rPr lang="en-US" altLang="ko-KR"/>
+              <a:t>.</a:t>
+            </a:r>
+            <a:endParaRPr lang="en-US" altLang="ko-KR"/>
+          </a:p>
+          <a:p>
+            <a:pPr marL="285750" indent="-285750">
+              <a:buFontTx/>
+              <a:buChar char="-"/>
+              <a:defRPr/>
+            </a:pPr>
+            <a:endParaRPr lang="en-US" altLang="ko-KR"/>
+          </a:p>
+          <a:p>
+            <a:pPr marL="285750" indent="-285750">
+              <a:buFontTx/>
+              <a:buChar char="-"/>
+              <a:defRPr/>
+            </a:pPr>
+            <a:r>
+              <a:rPr lang="en-US" altLang="ko-KR"/>
+              <a:t>push() :</a:t>
+            </a:r>
+            <a:r>
+              <a:rPr lang="ko-KR" altLang="en-US"/>
+              <a:t> </a:t>
+            </a:r>
+            <a:r>
+              <a:rPr lang="en-US" altLang="ko-KR"/>
+              <a:t>top</a:t>
+            </a:r>
+            <a:r>
+              <a:rPr lang="ko-KR" altLang="en-US"/>
+              <a:t>을 한칸 올리고</a:t>
+            </a:r>
+            <a:r>
+              <a:rPr lang="en-US" altLang="ko-KR"/>
+              <a:t>,</a:t>
+            </a:r>
+            <a:r>
+              <a:rPr lang="ko-KR" altLang="en-US"/>
+              <a:t> 그 빈 공간에 데이터를 추가한다</a:t>
+            </a:r>
+            <a:r>
+              <a:rPr lang="en-US" altLang="ko-KR"/>
+              <a:t>.</a:t>
+            </a:r>
+            <a:endParaRPr lang="en-US" altLang="ko-KR"/>
+          </a:p>
+          <a:p>
+            <a:pPr marL="285750" indent="-285750">
+              <a:buFontTx/>
+              <a:buChar char="-"/>
+              <a:defRPr/>
+            </a:pPr>
+            <a:endParaRPr lang="en-US" altLang="ko-KR"/>
+          </a:p>
+          <a:p>
+            <a:pPr marL="285750" indent="-285750">
+              <a:buFontTx/>
+              <a:buChar char="-"/>
+              <a:defRPr/>
+            </a:pPr>
+            <a:r>
+              <a:rPr lang="en-US" altLang="ko-KR"/>
+              <a:t>pop() : top</a:t>
+            </a:r>
+            <a:r>
+              <a:rPr lang="ko-KR" altLang="en-US"/>
+              <a:t>에 </a:t>
+            </a:r>
+            <a:r>
+              <a:rPr lang="en-US" altLang="ko-KR"/>
+              <a:t>-1</a:t>
+            </a:r>
+            <a:r>
+              <a:rPr lang="ko-KR" altLang="en-US"/>
+              <a:t>을 더하면 데이터를 제거한다</a:t>
+            </a:r>
+            <a:r>
+              <a:rPr lang="en-US" altLang="ko-KR"/>
+              <a:t>.</a:t>
+            </a:r>
+            <a:endParaRPr lang="en-US" altLang="ko-KR"/>
+          </a:p>
+          <a:p>
+            <a:pPr marL="0" indent="0">
+              <a:buFontTx/>
+              <a:buNone/>
+              <a:defRPr/>
+            </a:pPr>
+            <a:endParaRPr lang="en-US" altLang="ko-KR"/>
+          </a:p>
+          <a:p>
+            <a:pPr marL="0" indent="0">
+              <a:buFontTx/>
+              <a:buNone/>
+              <a:defRPr/>
+            </a:pPr>
+            <a:endParaRPr lang="en-US" altLang="ko-KR"/>
+          </a:p>
+        </p:txBody>
+      </p:sp>
       <p:pic>
         <p:nvPicPr>
-          <p:cNvPr id="8" name="그림 7">
-            <a:extLst>
-              <a:ext uri="{FF2B5EF4-FFF2-40B4-BE49-F238E27FC236}">
-                <a16:creationId xmlns:a16="http://schemas.microsoft.com/office/drawing/2014/main" id="{F7C53C12-B29A-49D5-96F6-F7AF68F8B2CD}"/>
-              </a:ext>
-            </a:extLst>
-          </p:cNvPr>
+          <p:cNvPr id="14" name=""/>
           <p:cNvPicPr>
             <a:picLocks noChangeAspect="1"/>
           </p:cNvPicPr>
           <p:nvPr/>
         </p:nvPicPr>
-        <p:blipFill>
-          <a:blip r:embed="rId3"/>
+        <p:blipFill rotWithShape="1">
+          <a:blip r:embed="rId2"/>
           <a:stretch>
             <a:fillRect/>
           </a:stretch>
         </p:blipFill>
         <p:spPr>
           <a:xfrm>
-            <a:off x="1755691" y="3702302"/>
-            <a:ext cx="4035393" cy="2345572"/>
+            <a:off x="1146747" y="2070515"/>
+            <a:ext cx="3606211" cy="3885263"/>
           </a:xfrm>
           <a:prstGeom prst="rect">
             <a:avLst/>
@@ -4197,67 +4569,1222 @@
         </p:spPr>
       </p:pic>
     </p:spTree>
-    <p:extLst>
-      <p:ext uri="{BB962C8B-B14F-4D97-AF65-F5344CB8AC3E}">
-        <p14:creationId xmlns:p14="http://schemas.microsoft.com/office/powerpoint/2010/main" val="452348809"/>
-      </p:ext>
-    </p:extLst>
   </p:cSld>
   <p:clrMapOvr>
     <a:masterClrMapping/>
   </p:clrMapOvr>
+  <mc:AlternateContent xmlns:mc="http://schemas.openxmlformats.org/markup-compatibility/2006">
+    <mc:Choice xmlns:p14="http://schemas.microsoft.com/office/powerpoint/2010/main" Requires="p14">
+      <p:transition xmlns:mc="http://schemas.openxmlformats.org/markup-compatibility/2006" xmlns:p14="http://schemas.microsoft.com/office/powerpoint/2010/main" mc:Ignorable="p14" p14:dur="500"/>
+    </mc:Choice>
+    <mc:Fallback>
+      <p:transition/>
+    </mc:Fallback>
+  </mc:AlternateContent>
+</p:sld>
+</file>
+
+<file path=ppt/slides/slide6.xml><?xml version="1.0" encoding="utf-8"?>
+<p:sld xmlns:r="http://schemas.openxmlformats.org/officeDocument/2006/relationships" xmlns:c="http://schemas.openxmlformats.org/drawingml/2006/chart" xmlns:a="http://schemas.openxmlformats.org/drawingml/2006/main" xmlns:dgm="http://schemas.openxmlformats.org/drawingml/2006/diagram" xmlns:dsp="http://schemas.microsoft.com/office/drawing/2008/diagram" xmlns:p="http://schemas.openxmlformats.org/presentationml/2006/main">
+  <p:cSld>
+    <p:spTree>
+      <p:nvGrpSpPr>
+        <p:cNvPr id="1" name=""/>
+        <p:cNvGrpSpPr/>
+        <p:nvPr/>
+      </p:nvGrpSpPr>
+      <p:grpSpPr>
+        <a:xfrm>
+          <a:off x="0" y="0"/>
+          <a:ext cx="0" cy="0"/>
+          <a:chOff x="0" y="0"/>
+          <a:chExt cx="0" cy="0"/>
+        </a:xfrm>
+      </p:grpSpPr>
+      <p:sp>
+        <p:nvSpPr>
+          <p:cNvPr id="2" name="제목 1"/>
+          <p:cNvSpPr>
+            <a:spLocks noGrp="1"/>
+          </p:cNvSpPr>
+          <p:nvPr>
+            <p:ph type="title" idx="0"/>
+          </p:nvPr>
+        </p:nvSpPr>
+        <p:spPr/>
+        <p:txBody>
+          <a:bodyPr/>
+          <a:lstStyle/>
+          <a:p>
+            <a:pPr lvl="0">
+              <a:defRPr/>
+            </a:pPr>
+            <a:r>
+              <a:rPr lang="en-US" altLang="ko-KR"/>
+              <a:t>ArrayStack.c</a:t>
+            </a:r>
+            <a:r>
+              <a:rPr lang="ko-KR" altLang="en-US"/>
+              <a:t> 코드 분석 </a:t>
+            </a:r>
+            <a:r>
+              <a:rPr lang="en-US" altLang="ko-KR"/>
+              <a:t>(</a:t>
+            </a:r>
+            <a:r>
+              <a:rPr lang="ko-KR" altLang="en-US"/>
+              <a:t>교재 </a:t>
+            </a:r>
+            <a:r>
+              <a:rPr lang="en-US" altLang="ko-KR"/>
+              <a:t>p.193)</a:t>
+            </a:r>
+            <a:endParaRPr lang="en-US" altLang="ko-KR"/>
+          </a:p>
+        </p:txBody>
+      </p:sp>
+      <p:sp>
+        <p:nvSpPr>
+          <p:cNvPr id="4" name="TextBox 3"/>
+          <p:cNvSpPr txBox="1"/>
+          <p:nvPr/>
+        </p:nvSpPr>
+        <p:spPr>
+          <a:xfrm>
+            <a:off x="1166479" y="2057456"/>
+            <a:ext cx="6423278" cy="636214"/>
+          </a:xfrm>
+          <a:prstGeom prst="rect">
+            <a:avLst/>
+          </a:prstGeom>
+          <a:noFill/>
+        </p:spPr>
+        <p:txBody>
+          <a:bodyPr wrap="square">
+            <a:spAutoFit/>
+          </a:bodyPr>
+          <a:lstStyle/>
+          <a:p>
+            <a:pPr marL="0" indent="0">
+              <a:buFontTx/>
+              <a:buNone/>
+              <a:defRPr/>
+            </a:pPr>
+            <a:r>
+              <a:rPr lang="en-US" altLang="ko-KR"/>
+              <a:t> </a:t>
+            </a:r>
+            <a:r>
+              <a:rPr lang="ko-KR" altLang="en-US"/>
+              <a:t>코드 참조</a:t>
+            </a:r>
+            <a:endParaRPr lang="ko-KR" altLang="en-US"/>
+          </a:p>
+          <a:p>
+            <a:pPr marL="0" indent="0">
+              <a:buFontTx/>
+              <a:buNone/>
+              <a:defRPr/>
+            </a:pPr>
+            <a:endParaRPr lang="en-US" altLang="ko-KR"/>
+          </a:p>
+        </p:txBody>
+      </p:sp>
+    </p:spTree>
+  </p:cSld>
+  <p:clrMapOvr>
+    <a:masterClrMapping/>
+  </p:clrMapOvr>
+  <mc:AlternateContent xmlns:mc="http://schemas.openxmlformats.org/markup-compatibility/2006">
+    <mc:Choice xmlns:p14="http://schemas.microsoft.com/office/powerpoint/2010/main" Requires="p14">
+      <p:transition xmlns:mc="http://schemas.openxmlformats.org/markup-compatibility/2006" xmlns:p14="http://schemas.microsoft.com/office/powerpoint/2010/main" mc:Ignorable="p14" p14:dur="500"/>
+    </mc:Choice>
+    <mc:Fallback>
+      <p:transition/>
+    </mc:Fallback>
+  </mc:AlternateContent>
+</p:sld>
+</file>
+
+<file path=ppt/slides/slide7.xml><?xml version="1.0" encoding="utf-8"?>
+<p:sld xmlns:r="http://schemas.openxmlformats.org/officeDocument/2006/relationships" xmlns:c="http://schemas.openxmlformats.org/drawingml/2006/chart" xmlns:a="http://schemas.openxmlformats.org/drawingml/2006/main" xmlns:dgm="http://schemas.openxmlformats.org/drawingml/2006/diagram" xmlns:dsp="http://schemas.microsoft.com/office/drawing/2008/diagram" xmlns:p="http://schemas.openxmlformats.org/presentationml/2006/main">
+  <p:cSld>
+    <p:spTree>
+      <p:nvGrpSpPr>
+        <p:cNvPr id="1" name=""/>
+        <p:cNvGrpSpPr/>
+        <p:nvPr/>
+      </p:nvGrpSpPr>
+      <p:grpSpPr>
+        <a:xfrm>
+          <a:off x="0" y="0"/>
+          <a:ext cx="0" cy="0"/>
+          <a:chOff x="0" y="0"/>
+          <a:chExt cx="0" cy="0"/>
+        </a:xfrm>
+      </p:grpSpPr>
+      <p:sp>
+        <p:nvSpPr>
+          <p:cNvPr id="2" name="제목 1"/>
+          <p:cNvSpPr>
+            <a:spLocks noGrp="1"/>
+          </p:cNvSpPr>
+          <p:nvPr>
+            <p:ph type="title" idx="0"/>
+          </p:nvPr>
+        </p:nvSpPr>
+        <p:spPr/>
+        <p:txBody>
+          <a:bodyPr/>
+          <a:lstStyle/>
+          <a:p>
+            <a:pPr lvl="0">
+              <a:defRPr/>
+            </a:pPr>
+            <a:r>
+              <a:rPr lang="ko-KR" altLang="en-US"/>
+              <a:t>리스트를 이용한 </a:t>
+            </a:r>
+            <a:r>
+              <a:rPr lang="en-US" altLang="ko-KR"/>
+              <a:t>STACK</a:t>
+            </a:r>
+            <a:endParaRPr lang="en-US" altLang="ko-KR"/>
+          </a:p>
+        </p:txBody>
+      </p:sp>
+      <p:sp>
+        <p:nvSpPr>
+          <p:cNvPr id="4" name="TextBox 3"/>
+          <p:cNvSpPr txBox="1"/>
+          <p:nvPr/>
+        </p:nvSpPr>
+        <p:spPr>
+          <a:xfrm>
+            <a:off x="4820332" y="2057457"/>
+            <a:ext cx="6423278" cy="2550738"/>
+          </a:xfrm>
+          <a:prstGeom prst="rect">
+            <a:avLst/>
+          </a:prstGeom>
+          <a:noFill/>
+        </p:spPr>
+        <p:txBody>
+          <a:bodyPr wrap="square">
+            <a:spAutoFit/>
+          </a:bodyPr>
+          <a:lstStyle/>
+          <a:p>
+            <a:pPr marL="285750" indent="-285750">
+              <a:buFontTx/>
+              <a:buChar char="-"/>
+              <a:defRPr/>
+            </a:pPr>
+            <a:r>
+              <a:rPr lang="en-US" altLang="ko-KR"/>
+              <a:t>stack</a:t>
+            </a:r>
+            <a:r>
+              <a:rPr lang="ko-KR" altLang="en-US"/>
+              <a:t>의 최대 용량이 정해져있지 않다</a:t>
+            </a:r>
+            <a:r>
+              <a:rPr lang="en-US" altLang="ko-KR"/>
+              <a:t>.</a:t>
+            </a:r>
+            <a:endParaRPr lang="en-US" altLang="ko-KR"/>
+          </a:p>
+          <a:p>
+            <a:pPr marL="285750" indent="-285750">
+              <a:buFontTx/>
+              <a:buChar char="-"/>
+              <a:defRPr/>
+            </a:pPr>
+            <a:endParaRPr lang="ko-KR" altLang="en-US"/>
+          </a:p>
+          <a:p>
+            <a:pPr marL="285750" indent="-285750">
+              <a:buFontTx/>
+              <a:buChar char="-"/>
+              <a:defRPr/>
+            </a:pPr>
+            <a:r>
+              <a:rPr lang="en-US" altLang="ko-KR"/>
+              <a:t>top</a:t>
+            </a:r>
+            <a:r>
+              <a:rPr lang="ko-KR" altLang="en-US"/>
+              <a:t>이 최상단의 데이터를 가리킨다</a:t>
+            </a:r>
+            <a:r>
+              <a:rPr lang="en-US" altLang="ko-KR"/>
+              <a:t>.</a:t>
+            </a:r>
+            <a:endParaRPr lang="en-US" altLang="ko-KR"/>
+          </a:p>
+          <a:p>
+            <a:pPr marL="285750" indent="-285750">
+              <a:buFontTx/>
+              <a:buChar char="-"/>
+              <a:defRPr/>
+            </a:pPr>
+            <a:endParaRPr lang="en-US" altLang="ko-KR"/>
+          </a:p>
+          <a:p>
+            <a:pPr marL="285750" indent="-285750">
+              <a:buFontTx/>
+              <a:buChar char="-"/>
+              <a:defRPr/>
+            </a:pPr>
+            <a:r>
+              <a:rPr lang="en-US" altLang="ko-KR"/>
+              <a:t>push() :</a:t>
+            </a:r>
+            <a:r>
+              <a:rPr lang="ko-KR" altLang="en-US"/>
+              <a:t> 빈 노드를 만들고</a:t>
+            </a:r>
+            <a:r>
+              <a:rPr lang="en-US" altLang="ko-KR"/>
+              <a:t>,</a:t>
+            </a:r>
+            <a:r>
+              <a:rPr lang="ko-KR" altLang="en-US"/>
+              <a:t> 그 노드를 </a:t>
+            </a:r>
+            <a:r>
+              <a:rPr lang="en-US" altLang="ko-KR"/>
+              <a:t>top</a:t>
+            </a:r>
+            <a:r>
+              <a:rPr lang="ko-KR" altLang="en-US"/>
+              <a:t>으로 가리킨다</a:t>
+            </a:r>
+            <a:r>
+              <a:rPr lang="en-US" altLang="ko-KR"/>
+              <a:t>.</a:t>
+            </a:r>
+            <a:r>
+              <a:rPr lang="ko-KR" altLang="en-US"/>
+              <a:t> </a:t>
+            </a:r>
+            <a:endParaRPr lang="ko-KR" altLang="en-US"/>
+          </a:p>
+          <a:p>
+            <a:pPr marL="285750" indent="-285750">
+              <a:buFontTx/>
+              <a:buChar char="-"/>
+              <a:defRPr/>
+            </a:pPr>
+            <a:endParaRPr lang="en-US" altLang="ko-KR"/>
+          </a:p>
+          <a:p>
+            <a:pPr marL="285750" indent="-285750">
+              <a:buFontTx/>
+              <a:buChar char="-"/>
+              <a:defRPr/>
+            </a:pPr>
+            <a:r>
+              <a:rPr lang="en-US" altLang="ko-KR"/>
+              <a:t>pop() : top</a:t>
+            </a:r>
+            <a:r>
+              <a:rPr lang="ko-KR" altLang="en-US"/>
+              <a:t>을 바로 아래단계 노드를 가리키게  </a:t>
+            </a:r>
+            <a:r>
+              <a:rPr lang="en-US" altLang="ko-KR"/>
+              <a:t>“</a:t>
+            </a:r>
+            <a:r>
+              <a:rPr lang="ko-KR" altLang="en-US"/>
+              <a:t>끌어내리고</a:t>
+            </a:r>
+            <a:r>
+              <a:rPr lang="en-US" altLang="ko-KR"/>
+              <a:t>”,</a:t>
+            </a:r>
+            <a:r>
+              <a:rPr lang="ko-KR" altLang="en-US"/>
+              <a:t> </a:t>
+            </a:r>
+            <a:endParaRPr lang="ko-KR" altLang="en-US"/>
+          </a:p>
+          <a:p>
+            <a:pPr marL="0" indent="0">
+              <a:buFontTx/>
+              <a:buNone/>
+              <a:defRPr/>
+            </a:pPr>
+            <a:r>
+              <a:rPr lang="ko-KR" altLang="en-US"/>
+              <a:t>이전의 </a:t>
+            </a:r>
+            <a:r>
+              <a:rPr lang="en-US" altLang="ko-KR"/>
+              <a:t>top</a:t>
+            </a:r>
+            <a:r>
+              <a:rPr lang="ko-KR" altLang="en-US"/>
+              <a:t>이 가리켰던 </a:t>
+            </a:r>
+            <a:r>
+              <a:rPr lang="en-US" altLang="ko-KR"/>
+              <a:t>“</a:t>
+            </a:r>
+            <a:r>
+              <a:rPr lang="ko-KR" altLang="en-US"/>
+              <a:t>삭제할 노드</a:t>
+            </a:r>
+            <a:r>
+              <a:rPr lang="en-US" altLang="ko-KR"/>
+              <a:t>”</a:t>
+            </a:r>
+            <a:r>
+              <a:rPr lang="ko-KR" altLang="en-US"/>
+              <a:t>를 메모리에서 삭제한다</a:t>
+            </a:r>
+            <a:r>
+              <a:rPr lang="en-US" altLang="ko-KR"/>
+              <a:t>.</a:t>
+            </a:r>
+            <a:r>
+              <a:rPr lang="ko-KR" altLang="en-US"/>
+              <a:t> </a:t>
+            </a:r>
+            <a:endParaRPr lang="ko-KR" altLang="en-US"/>
+          </a:p>
+          <a:p>
+            <a:pPr marL="0" indent="0">
+              <a:buFontTx/>
+              <a:buNone/>
+              <a:defRPr/>
+            </a:pPr>
+            <a:endParaRPr lang="en-US" altLang="ko-KR"/>
+          </a:p>
+        </p:txBody>
+      </p:sp>
+      <p:sp>
+        <p:nvSpPr>
+          <p:cNvPr id="15" name=""/>
+          <p:cNvSpPr/>
+          <p:nvPr/>
+        </p:nvSpPr>
+        <p:spPr>
+          <a:xfrm>
+            <a:off x="1919052" y="2162799"/>
+            <a:ext cx="1483401" cy="733893"/>
+          </a:xfrm>
+          <a:prstGeom prst="rect">
+            <a:avLst/>
+          </a:prstGeom>
+        </p:spPr>
+        <p:style>
+          <a:lnRef idx="2">
+            <a:schemeClr val="accent1">
+              <a:shade val="20000"/>
+            </a:schemeClr>
+          </a:lnRef>
+          <a:fillRef idx="1">
+            <a:schemeClr val="accent1"/>
+          </a:fillRef>
+          <a:effectRef idx="0">
+            <a:schemeClr val="accent1"/>
+          </a:effectRef>
+          <a:fontRef idx="minor">
+            <a:schemeClr val="lt1"/>
+          </a:fontRef>
+        </p:style>
+        <p:txBody>
+          <a:bodyPr anchor="ctr"/>
+          <a:p>
+            <a:pPr algn="ctr">
+              <a:defRPr/>
+            </a:pPr>
+            <a:r>
+              <a:rPr lang="en-US" altLang="ko-KR"/>
+              <a:t>node3</a:t>
+            </a:r>
+            <a:endParaRPr lang="en-US" altLang="ko-KR"/>
+          </a:p>
+        </p:txBody>
+      </p:sp>
+      <p:sp>
+        <p:nvSpPr>
+          <p:cNvPr id="16" name=""/>
+          <p:cNvSpPr/>
+          <p:nvPr/>
+        </p:nvSpPr>
+        <p:spPr>
+          <a:xfrm>
+            <a:off x="1903437" y="3232410"/>
+            <a:ext cx="1483401" cy="733893"/>
+          </a:xfrm>
+          <a:prstGeom prst="rect">
+            <a:avLst/>
+          </a:prstGeom>
+        </p:spPr>
+        <p:style>
+          <a:lnRef idx="2">
+            <a:schemeClr val="accent1">
+              <a:shade val="20000"/>
+            </a:schemeClr>
+          </a:lnRef>
+          <a:fillRef idx="1">
+            <a:schemeClr val="accent1"/>
+          </a:fillRef>
+          <a:effectRef idx="0">
+            <a:schemeClr val="accent1"/>
+          </a:effectRef>
+          <a:fontRef idx="minor">
+            <a:schemeClr val="lt1"/>
+          </a:fontRef>
+        </p:style>
+        <p:txBody>
+          <a:bodyPr anchor="ctr"/>
+          <a:p>
+            <a:pPr algn="ctr">
+              <a:defRPr/>
+            </a:pPr>
+            <a:r>
+              <a:rPr lang="en-US" altLang="ko-KR"/>
+              <a:t>node2</a:t>
+            </a:r>
+            <a:endParaRPr lang="en-US" altLang="ko-KR"/>
+          </a:p>
+        </p:txBody>
+      </p:sp>
+      <p:sp>
+        <p:nvSpPr>
+          <p:cNvPr id="17" name=""/>
+          <p:cNvSpPr/>
+          <p:nvPr/>
+        </p:nvSpPr>
+        <p:spPr>
+          <a:xfrm>
+            <a:off x="1903437" y="4204584"/>
+            <a:ext cx="1483401" cy="733893"/>
+          </a:xfrm>
+          <a:prstGeom prst="rect">
+            <a:avLst/>
+          </a:prstGeom>
+        </p:spPr>
+        <p:style>
+          <a:lnRef idx="2">
+            <a:schemeClr val="accent1">
+              <a:shade val="20000"/>
+            </a:schemeClr>
+          </a:lnRef>
+          <a:fillRef idx="1">
+            <a:schemeClr val="accent1"/>
+          </a:fillRef>
+          <a:effectRef idx="0">
+            <a:schemeClr val="accent1"/>
+          </a:effectRef>
+          <a:fontRef idx="minor">
+            <a:schemeClr val="lt1"/>
+          </a:fontRef>
+        </p:style>
+        <p:txBody>
+          <a:bodyPr anchor="ctr"/>
+          <a:p>
+            <a:pPr algn="ctr">
+              <a:defRPr/>
+            </a:pPr>
+            <a:r>
+              <a:rPr lang="en-US" altLang="ko-KR"/>
+              <a:t>node1</a:t>
+            </a:r>
+            <a:endParaRPr lang="en-US" altLang="ko-KR"/>
+          </a:p>
+        </p:txBody>
+      </p:sp>
+      <p:sp>
+        <p:nvSpPr>
+          <p:cNvPr id="19" name=""/>
+          <p:cNvSpPr/>
+          <p:nvPr/>
+        </p:nvSpPr>
+        <p:spPr>
+          <a:xfrm>
+            <a:off x="2416071" y="2763967"/>
+            <a:ext cx="421598" cy="484057"/>
+          </a:xfrm>
+          <a:prstGeom prst="downArrow">
+            <a:avLst>
+              <a:gd name="adj1" fmla="val 50000"/>
+              <a:gd name="adj2" fmla="val 50000"/>
+            </a:avLst>
+          </a:prstGeom>
+        </p:spPr>
+        <p:style>
+          <a:lnRef idx="2">
+            <a:schemeClr val="accent2">
+              <a:shade val="20000"/>
+            </a:schemeClr>
+          </a:lnRef>
+          <a:fillRef idx="1">
+            <a:schemeClr val="accent2"/>
+          </a:fillRef>
+          <a:effectRef idx="0">
+            <a:schemeClr val="accent2"/>
+          </a:effectRef>
+          <a:fontRef idx="minor">
+            <a:schemeClr val="lt1"/>
+          </a:fontRef>
+        </p:style>
+        <p:txBody>
+          <a:bodyPr anchor="ctr"/>
+          <a:p>
+            <a:pPr algn="ctr">
+              <a:defRPr/>
+            </a:pPr>
+            <a:endParaRPr lang="en-US" altLang="ko-KR"/>
+          </a:p>
+        </p:txBody>
+      </p:sp>
+      <p:sp>
+        <p:nvSpPr>
+          <p:cNvPr id="20" name=""/>
+          <p:cNvSpPr/>
+          <p:nvPr/>
+        </p:nvSpPr>
+        <p:spPr>
+          <a:xfrm>
+            <a:off x="2416071" y="3833577"/>
+            <a:ext cx="421598" cy="452828"/>
+          </a:xfrm>
+          <a:prstGeom prst="downArrow">
+            <a:avLst>
+              <a:gd name="adj1" fmla="val 50000"/>
+              <a:gd name="adj2" fmla="val 50000"/>
+            </a:avLst>
+          </a:prstGeom>
+        </p:spPr>
+        <p:style>
+          <a:lnRef idx="2">
+            <a:schemeClr val="accent2">
+              <a:shade val="20000"/>
+            </a:schemeClr>
+          </a:lnRef>
+          <a:fillRef idx="1">
+            <a:schemeClr val="accent2"/>
+          </a:fillRef>
+          <a:effectRef idx="0">
+            <a:schemeClr val="accent2"/>
+          </a:effectRef>
+          <a:fontRef idx="minor">
+            <a:schemeClr val="lt1"/>
+          </a:fontRef>
+        </p:style>
+        <p:txBody>
+          <a:bodyPr anchor="ctr"/>
+          <a:p>
+            <a:pPr algn="ctr">
+              <a:defRPr/>
+            </a:pPr>
+            <a:endParaRPr lang="en-US" altLang="ko-KR"/>
+          </a:p>
+        </p:txBody>
+      </p:sp>
+      <p:sp>
+        <p:nvSpPr>
+          <p:cNvPr id="21" name=""/>
+          <p:cNvSpPr/>
+          <p:nvPr/>
+        </p:nvSpPr>
+        <p:spPr>
+          <a:xfrm>
+            <a:off x="2416071" y="4813560"/>
+            <a:ext cx="421598" cy="452828"/>
+          </a:xfrm>
+          <a:prstGeom prst="downArrow">
+            <a:avLst>
+              <a:gd name="adj1" fmla="val 50000"/>
+              <a:gd name="adj2" fmla="val 50000"/>
+            </a:avLst>
+          </a:prstGeom>
+        </p:spPr>
+        <p:style>
+          <a:lnRef idx="2">
+            <a:schemeClr val="accent2">
+              <a:shade val="20000"/>
+            </a:schemeClr>
+          </a:lnRef>
+          <a:fillRef idx="1">
+            <a:schemeClr val="accent2"/>
+          </a:fillRef>
+          <a:effectRef idx="0">
+            <a:schemeClr val="accent2"/>
+          </a:effectRef>
+          <a:fontRef idx="minor">
+            <a:schemeClr val="lt1"/>
+          </a:fontRef>
+        </p:style>
+        <p:txBody>
+          <a:bodyPr anchor="ctr"/>
+          <a:p>
+            <a:pPr algn="ctr">
+              <a:defRPr/>
+            </a:pPr>
+            <a:endParaRPr lang="en-US" altLang="ko-KR"/>
+          </a:p>
+        </p:txBody>
+      </p:sp>
+      <p:sp>
+        <p:nvSpPr>
+          <p:cNvPr id="22" name=""/>
+          <p:cNvSpPr txBox="1"/>
+          <p:nvPr/>
+        </p:nvSpPr>
+        <p:spPr>
+          <a:xfrm>
+            <a:off x="2012740" y="5324786"/>
+            <a:ext cx="1171106" cy="640954"/>
+          </a:xfrm>
+          <a:prstGeom prst="rect">
+            <a:avLst/>
+          </a:prstGeom>
+        </p:spPr>
+        <p:txBody>
+          <a:bodyPr wrap="square">
+            <a:spAutoFit/>
+          </a:bodyPr>
+          <a:p>
+            <a:pPr>
+              <a:defRPr/>
+            </a:pPr>
+            <a:r>
+              <a:rPr lang="en-US" altLang="ko-KR" sz="3600">
+                <a:ln w="15875" cap="flat" cmpd="sng" algn="ctr">
+                  <a:solidFill>
+                    <a:schemeClr val="accent6"/>
+                  </a:solidFill>
+                  <a:prstDash val="solid"/>
+                  <a:round/>
+                </a:ln>
+                <a:solidFill>
+                  <a:schemeClr val="lt1"/>
+                </a:solidFill>
+                <a:effectLst>
+                  <a:outerShdw blurRad="38100" dist="25400" dir="2700000" algn="br" rotWithShape="0">
+                    <a:srgbClr val="000000">
+                      <a:alpha val="60000"/>
+                    </a:srgbClr>
+                  </a:outerShdw>
+                </a:effectLst>
+              </a:rPr>
+              <a:t>NULL</a:t>
+            </a:r>
+            <a:endParaRPr lang="en-US" altLang="ko-KR" sz="3600">
+              <a:ln w="15875" cap="flat" cmpd="sng" algn="ctr">
+                <a:solidFill>
+                  <a:schemeClr val="accent6"/>
+                </a:solidFill>
+                <a:prstDash val="solid"/>
+                <a:round/>
+              </a:ln>
+              <a:solidFill>
+                <a:schemeClr val="lt1"/>
+              </a:solidFill>
+              <a:effectLst>
+                <a:outerShdw blurRad="38100" dist="25400" dir="2700000" algn="br" rotWithShape="0">
+                  <a:srgbClr val="000000">
+                    <a:alpha val="60000"/>
+                  </a:srgbClr>
+                </a:outerShdw>
+              </a:effectLst>
+            </a:endParaRPr>
+          </a:p>
+        </p:txBody>
+      </p:sp>
+      <p:sp>
+        <p:nvSpPr>
+          <p:cNvPr id="23" name=""/>
+          <p:cNvSpPr/>
+          <p:nvPr/>
+        </p:nvSpPr>
+        <p:spPr>
+          <a:xfrm>
+            <a:off x="759763" y="2219701"/>
+            <a:ext cx="936885" cy="765122"/>
+          </a:xfrm>
+          <a:prstGeom prst="rightArrow">
+            <a:avLst>
+              <a:gd name="adj1" fmla="val 50000"/>
+              <a:gd name="adj2" fmla="val 50000"/>
+            </a:avLst>
+          </a:prstGeom>
+          <a:solidFill>
+            <a:srgbClr val="eb5800"/>
+          </a:solidFill>
+          <a:ln/>
+        </p:spPr>
+        <p:style>
+          <a:lnRef idx="1">
+            <a:schemeClr val="accent1"/>
+          </a:lnRef>
+          <a:fillRef idx="3">
+            <a:schemeClr val="accent1"/>
+          </a:fillRef>
+          <a:effectRef idx="2">
+            <a:schemeClr val="accent1"/>
+          </a:effectRef>
+          <a:fontRef idx="minor">
+            <a:schemeClr val="lt1"/>
+          </a:fontRef>
+        </p:style>
+        <p:txBody>
+          <a:bodyPr anchor="ctr"/>
+          <a:p>
+            <a:pPr algn="ctr">
+              <a:defRPr/>
+            </a:pPr>
+            <a:r>
+              <a:rPr lang="en-US" altLang="ko-KR" sz="2400">
+                <a:solidFill>
+                  <a:schemeClr val="lt1"/>
+                </a:solidFill>
+              </a:rPr>
+              <a:t>TOP</a:t>
+            </a:r>
+            <a:endParaRPr lang="en-US" altLang="ko-KR" sz="2400">
+              <a:solidFill>
+                <a:schemeClr val="lt1"/>
+              </a:solidFill>
+            </a:endParaRPr>
+          </a:p>
+        </p:txBody>
+      </p:sp>
+    </p:spTree>
+  </p:cSld>
+  <p:clrMapOvr>
+    <a:masterClrMapping/>
+  </p:clrMapOvr>
+  <mc:AlternateContent xmlns:mc="http://schemas.openxmlformats.org/markup-compatibility/2006">
+    <mc:Choice xmlns:p14="http://schemas.microsoft.com/office/powerpoint/2010/main" Requires="p14">
+      <p:transition xmlns:mc="http://schemas.openxmlformats.org/markup-compatibility/2006" xmlns:p14="http://schemas.microsoft.com/office/powerpoint/2010/main" mc:Ignorable="p14" p14:dur="500"/>
+    </mc:Choice>
+    <mc:Fallback>
+      <p:transition/>
+    </mc:Fallback>
+  </mc:AlternateContent>
+</p:sld>
+</file>
+
+<file path=ppt/slides/slide8.xml><?xml version="1.0" encoding="utf-8"?>
+<p:sld xmlns:r="http://schemas.openxmlformats.org/officeDocument/2006/relationships" xmlns:c="http://schemas.openxmlformats.org/drawingml/2006/chart" xmlns:a="http://schemas.openxmlformats.org/drawingml/2006/main" xmlns:dgm="http://schemas.openxmlformats.org/drawingml/2006/diagram" xmlns:dsp="http://schemas.microsoft.com/office/drawing/2008/diagram" xmlns:p="http://schemas.openxmlformats.org/presentationml/2006/main">
+  <p:cSld>
+    <p:spTree>
+      <p:nvGrpSpPr>
+        <p:cNvPr id="1" name=""/>
+        <p:cNvGrpSpPr/>
+        <p:nvPr/>
+      </p:nvGrpSpPr>
+      <p:grpSpPr>
+        <a:xfrm>
+          <a:off x="0" y="0"/>
+          <a:ext cx="0" cy="0"/>
+          <a:chOff x="0" y="0"/>
+          <a:chExt cx="0" cy="0"/>
+        </a:xfrm>
+      </p:grpSpPr>
+      <p:sp>
+        <p:nvSpPr>
+          <p:cNvPr id="2" name="제목 1"/>
+          <p:cNvSpPr>
+            <a:spLocks noGrp="1"/>
+          </p:cNvSpPr>
+          <p:nvPr>
+            <p:ph type="title" idx="0"/>
+          </p:nvPr>
+        </p:nvSpPr>
+        <p:spPr/>
+        <p:txBody>
+          <a:bodyPr/>
+          <a:lstStyle/>
+          <a:p>
+            <a:pPr lvl="0">
+              <a:defRPr/>
+            </a:pPr>
+            <a:r>
+              <a:rPr lang="en-US" altLang="ko-KR"/>
+              <a:t>ListStack.c</a:t>
+            </a:r>
+            <a:r>
+              <a:rPr lang="ko-KR" altLang="en-US"/>
+              <a:t> 코드 분석 </a:t>
+            </a:r>
+            <a:r>
+              <a:rPr lang="en-US" altLang="ko-KR"/>
+              <a:t>(</a:t>
+            </a:r>
+            <a:r>
+              <a:rPr lang="ko-KR" altLang="en-US"/>
+              <a:t>교재 </a:t>
+            </a:r>
+            <a:r>
+              <a:rPr lang="en-US" altLang="ko-KR"/>
+              <a:t>p.197)</a:t>
+            </a:r>
+            <a:endParaRPr lang="en-US" altLang="ko-KR"/>
+          </a:p>
+        </p:txBody>
+      </p:sp>
+      <p:sp>
+        <p:nvSpPr>
+          <p:cNvPr id="4" name="TextBox 3"/>
+          <p:cNvSpPr txBox="1"/>
+          <p:nvPr/>
+        </p:nvSpPr>
+        <p:spPr>
+          <a:xfrm>
+            <a:off x="1166479" y="2057456"/>
+            <a:ext cx="6423278" cy="636214"/>
+          </a:xfrm>
+          <a:prstGeom prst="rect">
+            <a:avLst/>
+          </a:prstGeom>
+          <a:noFill/>
+        </p:spPr>
+        <p:txBody>
+          <a:bodyPr wrap="square">
+            <a:spAutoFit/>
+          </a:bodyPr>
+          <a:lstStyle/>
+          <a:p>
+            <a:pPr marL="0" indent="0">
+              <a:buFontTx/>
+              <a:buNone/>
+              <a:defRPr/>
+            </a:pPr>
+            <a:r>
+              <a:rPr lang="en-US" altLang="ko-KR"/>
+              <a:t> </a:t>
+            </a:r>
+            <a:r>
+              <a:rPr lang="ko-KR" altLang="en-US"/>
+              <a:t>코드 참조</a:t>
+            </a:r>
+            <a:endParaRPr lang="ko-KR" altLang="en-US"/>
+          </a:p>
+          <a:p>
+            <a:pPr marL="0" indent="0">
+              <a:buFontTx/>
+              <a:buNone/>
+              <a:defRPr/>
+            </a:pPr>
+            <a:endParaRPr lang="en-US" altLang="ko-KR"/>
+          </a:p>
+        </p:txBody>
+      </p:sp>
+    </p:spTree>
+  </p:cSld>
+  <p:clrMapOvr>
+    <a:masterClrMapping/>
+  </p:clrMapOvr>
+  <mc:AlternateContent xmlns:mc="http://schemas.openxmlformats.org/markup-compatibility/2006">
+    <mc:Choice xmlns:p14="http://schemas.microsoft.com/office/powerpoint/2010/main" Requires="p14">
+      <p:transition xmlns:mc="http://schemas.openxmlformats.org/markup-compatibility/2006" xmlns:p14="http://schemas.microsoft.com/office/powerpoint/2010/main" mc:Ignorable="p14" p14:dur="500"/>
+    </mc:Choice>
+    <mc:Fallback>
+      <p:transition/>
+    </mc:Fallback>
+  </mc:AlternateContent>
+</p:sld>
+</file>
+
+<file path=ppt/slides/slide9.xml><?xml version="1.0" encoding="utf-8"?>
+<p:sld xmlns:r="http://schemas.openxmlformats.org/officeDocument/2006/relationships" xmlns:c="http://schemas.openxmlformats.org/drawingml/2006/chart" xmlns:a="http://schemas.openxmlformats.org/drawingml/2006/main" xmlns:dgm="http://schemas.openxmlformats.org/drawingml/2006/diagram" xmlns:dsp="http://schemas.microsoft.com/office/drawing/2008/diagram" xmlns:p="http://schemas.openxmlformats.org/presentationml/2006/main">
+  <p:cSld>
+    <p:spTree>
+      <p:nvGrpSpPr>
+        <p:cNvPr id="1" name=""/>
+        <p:cNvGrpSpPr/>
+        <p:nvPr/>
+      </p:nvGrpSpPr>
+      <p:grpSpPr>
+        <a:xfrm>
+          <a:off x="0" y="0"/>
+          <a:ext cx="0" cy="0"/>
+          <a:chOff x="0" y="0"/>
+          <a:chExt cx="0" cy="0"/>
+        </a:xfrm>
+      </p:grpSpPr>
+      <p:sp>
+        <p:nvSpPr>
+          <p:cNvPr id="2" name="제목 1"/>
+          <p:cNvSpPr>
+            <a:spLocks noGrp="1"/>
+          </p:cNvSpPr>
+          <p:nvPr>
+            <p:ph type="title" idx="0"/>
+          </p:nvPr>
+        </p:nvSpPr>
+        <p:spPr/>
+        <p:txBody>
+          <a:bodyPr/>
+          <a:lstStyle/>
+          <a:p>
+            <a:pPr lvl="0">
+              <a:defRPr/>
+            </a:pPr>
+            <a:r>
+              <a:rPr lang="en-US" altLang="ko-KR"/>
+              <a:t>QUEUE </a:t>
+            </a:r>
+            <a:r>
+              <a:rPr lang="ko-KR" altLang="en-US"/>
+              <a:t>개념 이해</a:t>
+            </a:r>
+            <a:endParaRPr lang="ko-KR" altLang="en-US"/>
+          </a:p>
+        </p:txBody>
+      </p:sp>
+      <p:sp>
+        <p:nvSpPr>
+          <p:cNvPr id="4" name="TextBox 3"/>
+          <p:cNvSpPr txBox="1"/>
+          <p:nvPr/>
+        </p:nvSpPr>
+        <p:spPr>
+          <a:xfrm>
+            <a:off x="5205958" y="2154093"/>
+            <a:ext cx="6423278" cy="2825577"/>
+          </a:xfrm>
+          <a:prstGeom prst="rect">
+            <a:avLst/>
+          </a:prstGeom>
+          <a:noFill/>
+        </p:spPr>
+        <p:txBody>
+          <a:bodyPr wrap="square">
+            <a:spAutoFit/>
+          </a:bodyPr>
+          <a:lstStyle/>
+          <a:p>
+            <a:pPr marL="285750" indent="-285750">
+              <a:buFontTx/>
+              <a:buChar char="-"/>
+              <a:defRPr/>
+            </a:pPr>
+            <a:r>
+              <a:rPr lang="ko-KR" altLang="en-US"/>
+              <a:t>선입</a:t>
+            </a:r>
+            <a:r>
+              <a:rPr lang="ko-KR" altLang="ko-KR"/>
+              <a:t>선출(</a:t>
+            </a:r>
+            <a:r>
+              <a:rPr lang="ko-KR" altLang="en-US"/>
+              <a:t>먼저</a:t>
+            </a:r>
+            <a:r>
+              <a:rPr lang="ko-KR" altLang="ko-KR"/>
+              <a:t> 들어온 데이터가 가장 먼저 나가는)</a:t>
+            </a:r>
+            <a:r>
+              <a:rPr lang="ko-KR" altLang="en-US"/>
+              <a:t> 구조</a:t>
+            </a:r>
+            <a:endParaRPr lang="ko-KR" altLang="en-US"/>
+          </a:p>
+          <a:p>
+            <a:pPr marL="285750" indent="-285750">
+              <a:buFontTx/>
+              <a:buChar char="-"/>
+              <a:defRPr/>
+            </a:pPr>
+            <a:endParaRPr lang="ko-KR" altLang="en-US"/>
+          </a:p>
+          <a:p>
+            <a:pPr marL="285750" indent="-285750">
+              <a:buFontTx/>
+              <a:buChar char="-"/>
+              <a:defRPr/>
+            </a:pPr>
+            <a:r>
+              <a:rPr lang="ko-KR" altLang="en-US"/>
+              <a:t>Enqueue</a:t>
+            </a:r>
+            <a:r>
+              <a:rPr lang="en-US" altLang="ko-KR"/>
+              <a:t>()</a:t>
+            </a:r>
+            <a:r>
+              <a:rPr lang="ko-KR" altLang="en-US"/>
+              <a:t> : 큐 맨 뒤에 어떠한 요소를 추가</a:t>
+            </a:r>
+            <a:endParaRPr lang="ko-KR" altLang="en-US"/>
+          </a:p>
+          <a:p>
+            <a:pPr marL="285750" indent="-285750">
+              <a:buFontTx/>
+              <a:buChar char="-"/>
+              <a:defRPr/>
+            </a:pPr>
+            <a:endParaRPr lang="ko-KR" altLang="en-US"/>
+          </a:p>
+          <a:p>
+            <a:pPr marL="285750" indent="-285750">
+              <a:buFontTx/>
+              <a:buChar char="-"/>
+              <a:defRPr/>
+            </a:pPr>
+            <a:r>
+              <a:rPr lang="ko-KR" altLang="en-US"/>
+              <a:t>Dequeue</a:t>
+            </a:r>
+            <a:r>
+              <a:rPr lang="en-US" altLang="ko-KR"/>
+              <a:t>()</a:t>
+            </a:r>
+            <a:r>
+              <a:rPr lang="ko-KR" altLang="en-US"/>
+              <a:t> : 큐 맨 앞쪽의 요소를 삭제</a:t>
+            </a:r>
+            <a:endParaRPr lang="ko-KR" altLang="en-US"/>
+          </a:p>
+          <a:p>
+            <a:pPr marL="285750" indent="-285750">
+              <a:buFontTx/>
+              <a:buChar char="-"/>
+              <a:defRPr/>
+            </a:pPr>
+            <a:endParaRPr lang="ko-KR" altLang="en-US"/>
+          </a:p>
+          <a:p>
+            <a:pPr marL="285750" indent="-285750">
+              <a:buFontTx/>
+              <a:buChar char="-"/>
+              <a:defRPr/>
+            </a:pPr>
+            <a:r>
+              <a:rPr lang="ko-KR" altLang="en-US"/>
+              <a:t>front : 큐의 맨 앞의 위치(인덱스)</a:t>
+            </a:r>
+            <a:endParaRPr lang="ko-KR" altLang="en-US"/>
+          </a:p>
+          <a:p>
+            <a:pPr marL="285750" indent="-285750">
+              <a:buFontTx/>
+              <a:buChar char="-"/>
+              <a:defRPr/>
+            </a:pPr>
+            <a:endParaRPr lang="ko-KR" altLang="en-US"/>
+          </a:p>
+          <a:p>
+            <a:pPr marL="285750" indent="-285750">
+              <a:buFontTx/>
+              <a:buChar char="-"/>
+              <a:defRPr/>
+            </a:pPr>
+            <a:r>
+              <a:rPr lang="ko-KR" altLang="en-US"/>
+              <a:t>rear : 큐의 맨 뒤의 위치(인덱스)</a:t>
+            </a:r>
+            <a:endParaRPr lang="ko-KR" altLang="en-US"/>
+          </a:p>
+          <a:p>
+            <a:pPr marL="285750" indent="-285750">
+              <a:buFontTx/>
+              <a:buChar char="-"/>
+              <a:defRPr/>
+            </a:pPr>
+            <a:endParaRPr lang="ko-KR" altLang="en-US"/>
+          </a:p>
+        </p:txBody>
+      </p:sp>
+      <p:pic>
+        <p:nvPicPr>
+          <p:cNvPr id="15" name=""/>
+          <p:cNvPicPr>
+            <a:picLocks noChangeAspect="1"/>
+          </p:cNvPicPr>
+          <p:nvPr/>
+        </p:nvPicPr>
+        <p:blipFill rotWithShape="1">
+          <a:blip r:embed="rId2"/>
+          <a:stretch>
+            <a:fillRect/>
+          </a:stretch>
+        </p:blipFill>
+        <p:spPr>
+          <a:xfrm>
+            <a:off x="1130507" y="2183129"/>
+            <a:ext cx="3810001" cy="2491740"/>
+          </a:xfrm>
+          <a:prstGeom prst="rect">
+            <a:avLst/>
+          </a:prstGeom>
+        </p:spPr>
+      </p:pic>
+    </p:spTree>
+  </p:cSld>
+  <p:clrMapOvr>
+    <a:masterClrMapping/>
+  </p:clrMapOvr>
+  <mc:AlternateContent xmlns:mc="http://schemas.openxmlformats.org/markup-compatibility/2006">
+    <mc:Choice xmlns:p14="http://schemas.microsoft.com/office/powerpoint/2010/main" Requires="p14">
+      <p:transition xmlns:mc="http://schemas.openxmlformats.org/markup-compatibility/2006" xmlns:p14="http://schemas.microsoft.com/office/powerpoint/2010/main" mc:Ignorable="p14" p14:dur="500"/>
+    </mc:Choice>
+    <mc:Fallback>
+      <p:transition/>
+    </mc:Fallback>
+  </mc:AlternateContent>
 </p:sld>
 </file>
 
 <file path=ppt/theme/theme1.xml><?xml version="1.0" encoding="utf-8"?>
-<a:theme xmlns:a="http://schemas.openxmlformats.org/drawingml/2006/main" name="추억">
+<a:theme xmlns:r="http://schemas.openxmlformats.org/officeDocument/2006/relationships" xmlns:c="http://schemas.openxmlformats.org/drawingml/2006/chart" xmlns:dgm="http://schemas.openxmlformats.org/drawingml/2006/diagram" xmlns:dsp="http://schemas.microsoft.com/office/drawing/2008/diagram" xmlns:a="http://schemas.openxmlformats.org/drawingml/2006/main" xmlns:pic="http://schemas.openxmlformats.org/drawingml/2006/picture" xmlns:wp="http://schemas.openxmlformats.org/drawingml/2006/wordprocessingDrawing" xmlns:xdr="http://schemas.openxmlformats.org/drawingml/2006/spreadsheetDrawing" xmlns:p="http://schemas.openxmlformats.org/presentationml/2006/main" name="추억">
   <a:themeElements>
     <a:clrScheme name="추억">
       <a:dk1>
         <a:sysClr val="windowText" lastClr="000000"/>
       </a:dk1>
       <a:lt1>
-        <a:sysClr val="window" lastClr="FFFFFF"/>
+        <a:sysClr val="window" lastClr="ffffff"/>
       </a:lt1>
       <a:dk2>
-        <a:srgbClr val="564B3C"/>
+        <a:srgbClr val="564b3c"/>
       </a:dk2>
       <a:lt2>
-        <a:srgbClr val="ECEDD1"/>
+        <a:srgbClr val="ecedd1"/>
       </a:lt2>
       <a:accent1>
-        <a:srgbClr val="93A299"/>
+        <a:srgbClr val="93a299"/>
       </a:accent1>
       <a:accent2>
-        <a:srgbClr val="CF543F"/>
+        <a:srgbClr val="cf543f"/>
       </a:accent2>
       <a:accent3>
-        <a:srgbClr val="B5AE53"/>
+        <a:srgbClr val="b5ae53"/>
       </a:accent3>
       <a:accent4>
         <a:srgbClr val="848058"/>
       </a:accent4>
       <a:accent5>
-        <a:srgbClr val="E8B54D"/>
+        <a:srgbClr val="e8b54d"/>
       </a:accent5>
       <a:accent6>
-        <a:srgbClr val="786C71"/>
+        <a:srgbClr val="786c71"/>
       </a:accent6>
       <a:hlink>
-        <a:srgbClr val="CCCC00"/>
+        <a:srgbClr val="cccc00"/>
       </a:hlink>
       <a:folHlink>
-        <a:srgbClr val="B2B2B2"/>
+        <a:srgbClr val="b2b2b2"/>
       </a:folHlink>
     </a:clrScheme>
     <a:fontScheme name="추억">
       <a:majorFont>
-        <a:latin typeface="Calibri Light" panose="020F0302020204030204"/>
+        <a:latin typeface="Calibri Light" panose="20"/>
         <a:ea typeface=""/>
         <a:cs typeface=""/>
-        <a:font script="Jpan" typeface="ＭＳ Ｐゴシック"/>
+        <a:font script="Jpan" typeface="MS PGothic"/>
         <a:font script="Hang" typeface="맑은 고딕"/>
-        <a:font script="Hans" typeface="宋体"/>
+        <a:font script="Hans" typeface="SimSun"/>
         <a:font script="Hant" typeface="新細明體"/>
         <a:font script="Arab" typeface="Times New Roman"/>
         <a:font script="Hebr" typeface="Times New Roman"/>
@@ -4287,12 +5814,12 @@
         <a:font script="Geor" typeface="Sylfaen"/>
       </a:majorFont>
       <a:minorFont>
-        <a:latin typeface="Calibri" panose="020F0502020204030204"/>
+        <a:latin typeface="Calibri" panose="20"/>
         <a:ea typeface=""/>
         <a:cs typeface=""/>
-        <a:font script="Jpan" typeface="ＭＳ Ｐゴシック"/>
+        <a:font script="Jpan" typeface="MS PGothic"/>
         <a:font script="Hang" typeface="맑은 고딕"/>
-        <a:font script="Hans" typeface="宋体"/>
+        <a:font script="Hans" typeface="SimSun"/>
         <a:font script="Hant" typeface="新細明體"/>
         <a:font script="Arab" typeface="Arial"/>
         <a:font script="Hebr" typeface="Arial"/>
@@ -4482,12 +6009,5 @@
       </a:bgFillStyleLst>
     </a:fmtScheme>
   </a:themeElements>
-  <a:objectDefaults/>
-  <a:extraClrSchemeLst/>
-  <a:extLst>
-    <a:ext uri="{05A4C25C-085E-4340-85A3-A5531E510DB2}">
-      <thm15:themeFamily xmlns:thm15="http://schemas.microsoft.com/office/thememl/2012/main" name="Retrospect" id="{5F128B03-DCCA-4EEB-AB3B-CF2899314A46}" vid="{E3DA18C2-75F1-4980-A5F0-165F6F71DE6D}"/>
-    </a:ext>
-  </a:extLst>
 </a:theme>
 </file>